--- a/docs/T04_HTTYDP_Final_Capstone_Presentation.pptx
+++ b/docs/T04_HTTYDP_Final_Capstone_Presentation.pptx
@@ -109,6 +109,11 @@
       </a:defRPr>
     </a:lvl9pPr>
   </p:defaultTextStyle>
+  <p:extLst>
+    <p:ext uri="{EFAFB233-063F-42B5-8137-9DF3F51BA10A}">
+      <p15:sldGuideLst xmlns:p15="http://schemas.microsoft.com/office/powerpoint/2012/main"/>
+    </p:ext>
+  </p:extLst>
 </p:presentation>
 </file>
 
@@ -162,7 +167,7 @@
           <a:noFill/>
           <a:extLst>
             <a:ext uri="{909E8E84-426E-40dd-AFC4-6F175D3DCCD1}">
-              <a14:hiddenFill xmlns:a14="http://schemas.microsoft.com/office/drawing/2010/main" xmlns="">
+              <a14:hiddenFill xmlns="" xmlns:a14="http://schemas.microsoft.com/office/drawing/2010/main">
                 <a:solidFill>
                   <a:srgbClr val="FFFFFF"/>
                 </a:solidFill>
@@ -222,7 +227,7 @@
             </a:ln>
             <a:extLst>
               <a:ext uri="{91240B29-F687-4f45-9708-019B960494DF}">
-                <a14:hiddenLine xmlns:a14="http://schemas.microsoft.com/office/drawing/2010/main" xmlns="" w="9525">
+                <a14:hiddenLine xmlns="" xmlns:a14="http://schemas.microsoft.com/office/drawing/2010/main" w="9525">
                   <a:solidFill>
                     <a:srgbClr val="000000"/>
                   </a:solidFill>
@@ -312,7 +317,7 @@
             </a:ln>
             <a:extLst>
               <a:ext uri="{91240B29-F687-4f45-9708-019B960494DF}">
-                <a14:hiddenLine xmlns:a14="http://schemas.microsoft.com/office/drawing/2010/main" xmlns="" w="9525">
+                <a14:hiddenLine xmlns="" xmlns:a14="http://schemas.microsoft.com/office/drawing/2010/main" w="9525">
                   <a:solidFill>
                     <a:srgbClr val="000000"/>
                   </a:solidFill>
@@ -402,7 +407,7 @@
             </a:ln>
             <a:extLst>
               <a:ext uri="{91240B29-F687-4f45-9708-019B960494DF}">
-                <a14:hiddenLine xmlns:a14="http://schemas.microsoft.com/office/drawing/2010/main" xmlns="" w="9525">
+                <a14:hiddenLine xmlns="" xmlns:a14="http://schemas.microsoft.com/office/drawing/2010/main" w="9525">
                   <a:solidFill>
                     <a:srgbClr val="000000"/>
                   </a:solidFill>
@@ -436,7 +441,7 @@
             </a:ln>
             <a:extLst>
               <a:ext uri="{91240B29-F687-4f45-9708-019B960494DF}">
-                <a14:hiddenLine xmlns:a14="http://schemas.microsoft.com/office/drawing/2010/main" xmlns="" w="9525">
+                <a14:hiddenLine xmlns="" xmlns:a14="http://schemas.microsoft.com/office/drawing/2010/main" w="9525">
                   <a:solidFill>
                     <a:srgbClr val="000000"/>
                   </a:solidFill>
@@ -526,7 +531,7 @@
             </a:ln>
             <a:extLst>
               <a:ext uri="{91240B29-F687-4f45-9708-019B960494DF}">
-                <a14:hiddenLine xmlns:a14="http://schemas.microsoft.com/office/drawing/2010/main" xmlns="" w="9525">
+                <a14:hiddenLine xmlns="" xmlns:a14="http://schemas.microsoft.com/office/drawing/2010/main" w="9525">
                   <a:solidFill>
                     <a:srgbClr val="000000"/>
                   </a:solidFill>
@@ -588,7 +593,7 @@
             </a:ln>
             <a:extLst>
               <a:ext uri="{91240B29-F687-4f45-9708-019B960494DF}">
-                <a14:hiddenLine xmlns:a14="http://schemas.microsoft.com/office/drawing/2010/main" xmlns="" w="9525">
+                <a14:hiddenLine xmlns="" xmlns:a14="http://schemas.microsoft.com/office/drawing/2010/main" w="9525">
                   <a:solidFill>
                     <a:srgbClr val="000000"/>
                   </a:solidFill>
@@ -650,7 +655,7 @@
             </a:ln>
             <a:extLst>
               <a:ext uri="{91240B29-F687-4f45-9708-019B960494DF}">
-                <a14:hiddenLine xmlns:a14="http://schemas.microsoft.com/office/drawing/2010/main" xmlns="" w="9525">
+                <a14:hiddenLine xmlns="" xmlns:a14="http://schemas.microsoft.com/office/drawing/2010/main" w="9525">
                   <a:solidFill>
                     <a:srgbClr val="000000"/>
                   </a:solidFill>
@@ -740,7 +745,7 @@
             </a:ln>
             <a:extLst>
               <a:ext uri="{91240B29-F687-4f45-9708-019B960494DF}">
-                <a14:hiddenLine xmlns:a14="http://schemas.microsoft.com/office/drawing/2010/main" xmlns="" w="9525">
+                <a14:hiddenLine xmlns="" xmlns:a14="http://schemas.microsoft.com/office/drawing/2010/main" w="9525">
                   <a:solidFill>
                     <a:srgbClr val="000000"/>
                   </a:solidFill>
@@ -802,7 +807,7 @@
             </a:ln>
             <a:extLst>
               <a:ext uri="{91240B29-F687-4f45-9708-019B960494DF}">
-                <a14:hiddenLine xmlns:a14="http://schemas.microsoft.com/office/drawing/2010/main" xmlns="" w="9525">
+                <a14:hiddenLine xmlns="" xmlns:a14="http://schemas.microsoft.com/office/drawing/2010/main" w="9525">
                   <a:solidFill>
                     <a:srgbClr val="000000"/>
                   </a:solidFill>
@@ -864,7 +869,7 @@
             </a:ln>
             <a:extLst>
               <a:ext uri="{91240B29-F687-4f45-9708-019B960494DF}">
-                <a14:hiddenLine xmlns:a14="http://schemas.microsoft.com/office/drawing/2010/main" xmlns="" w="9525">
+                <a14:hiddenLine xmlns="" xmlns:a14="http://schemas.microsoft.com/office/drawing/2010/main" w="9525">
                   <a:solidFill>
                     <a:srgbClr val="000000"/>
                   </a:solidFill>
@@ -954,7 +959,7 @@
             </a:ln>
             <a:extLst>
               <a:ext uri="{91240B29-F687-4f45-9708-019B960494DF}">
-                <a14:hiddenLine xmlns:a14="http://schemas.microsoft.com/office/drawing/2010/main" xmlns="" w="9525">
+                <a14:hiddenLine xmlns="" xmlns:a14="http://schemas.microsoft.com/office/drawing/2010/main" w="9525">
                   <a:solidFill>
                     <a:srgbClr val="000000"/>
                   </a:solidFill>
@@ -1044,7 +1049,7 @@
             </a:ln>
             <a:extLst>
               <a:ext uri="{91240B29-F687-4f45-9708-019B960494DF}">
-                <a14:hiddenLine xmlns:a14="http://schemas.microsoft.com/office/drawing/2010/main" xmlns="" w="9525">
+                <a14:hiddenLine xmlns="" xmlns:a14="http://schemas.microsoft.com/office/drawing/2010/main" w="9525">
                   <a:solidFill>
                     <a:srgbClr val="000000"/>
                   </a:solidFill>
@@ -1106,7 +1111,7 @@
             </a:ln>
             <a:extLst>
               <a:ext uri="{91240B29-F687-4f45-9708-019B960494DF}">
-                <a14:hiddenLine xmlns:a14="http://schemas.microsoft.com/office/drawing/2010/main" xmlns="" w="9525">
+                <a14:hiddenLine xmlns="" xmlns:a14="http://schemas.microsoft.com/office/drawing/2010/main" w="9525">
                   <a:solidFill>
                     <a:srgbClr val="000000"/>
                   </a:solidFill>
@@ -1216,7 +1221,7 @@
             </a:ln>
             <a:extLst>
               <a:ext uri="{91240B29-F687-4f45-9708-019B960494DF}">
-                <a14:hiddenLine xmlns:a14="http://schemas.microsoft.com/office/drawing/2010/main" xmlns="" w="9525">
+                <a14:hiddenLine xmlns="" xmlns:a14="http://schemas.microsoft.com/office/drawing/2010/main" w="9525">
                   <a:solidFill>
                     <a:srgbClr val="000000"/>
                   </a:solidFill>
@@ -1278,7 +1283,7 @@
             </a:ln>
             <a:extLst>
               <a:ext uri="{91240B29-F687-4f45-9708-019B960494DF}">
-                <a14:hiddenLine xmlns:a14="http://schemas.microsoft.com/office/drawing/2010/main" xmlns="" w="9525">
+                <a14:hiddenLine xmlns="" xmlns:a14="http://schemas.microsoft.com/office/drawing/2010/main" w="9525">
                   <a:solidFill>
                     <a:srgbClr val="000000"/>
                   </a:solidFill>
@@ -1368,7 +1373,7 @@
             </a:ln>
             <a:extLst>
               <a:ext uri="{91240B29-F687-4f45-9708-019B960494DF}">
-                <a14:hiddenLine xmlns:a14="http://schemas.microsoft.com/office/drawing/2010/main" xmlns="" w="9525">
+                <a14:hiddenLine xmlns="" xmlns:a14="http://schemas.microsoft.com/office/drawing/2010/main" w="9525">
                   <a:solidFill>
                     <a:srgbClr val="000000"/>
                   </a:solidFill>
@@ -1458,7 +1463,7 @@
             </a:ln>
             <a:extLst>
               <a:ext uri="{91240B29-F687-4f45-9708-019B960494DF}">
-                <a14:hiddenLine xmlns:a14="http://schemas.microsoft.com/office/drawing/2010/main" xmlns="" w="9525">
+                <a14:hiddenLine xmlns="" xmlns:a14="http://schemas.microsoft.com/office/drawing/2010/main" w="9525">
                   <a:solidFill>
                     <a:srgbClr val="000000"/>
                   </a:solidFill>
@@ -1520,7 +1525,7 @@
             </a:ln>
             <a:extLst>
               <a:ext uri="{91240B29-F687-4f45-9708-019B960494DF}">
-                <a14:hiddenLine xmlns:a14="http://schemas.microsoft.com/office/drawing/2010/main" xmlns="" w="9525">
+                <a14:hiddenLine xmlns="" xmlns:a14="http://schemas.microsoft.com/office/drawing/2010/main" w="9525">
                   <a:solidFill>
                     <a:srgbClr val="000000"/>
                   </a:solidFill>
@@ -1610,7 +1615,7 @@
             </a:ln>
             <a:extLst>
               <a:ext uri="{91240B29-F687-4f45-9708-019B960494DF}">
-                <a14:hiddenLine xmlns:a14="http://schemas.microsoft.com/office/drawing/2010/main" xmlns="" w="9525">
+                <a14:hiddenLine xmlns="" xmlns:a14="http://schemas.microsoft.com/office/drawing/2010/main" w="9525">
                   <a:solidFill>
                     <a:srgbClr val="000000"/>
                   </a:solidFill>
@@ -1700,7 +1705,7 @@
             </a:ln>
             <a:extLst>
               <a:ext uri="{91240B29-F687-4f45-9708-019B960494DF}">
-                <a14:hiddenLine xmlns:a14="http://schemas.microsoft.com/office/drawing/2010/main" xmlns="" w="9525">
+                <a14:hiddenLine xmlns="" xmlns:a14="http://schemas.microsoft.com/office/drawing/2010/main" w="9525">
                   <a:solidFill>
                     <a:srgbClr val="000000"/>
                   </a:solidFill>
@@ -1756,7 +1761,7 @@
             </a:ln>
             <a:extLst>
               <a:ext uri="{91240B29-F687-4f45-9708-019B960494DF}">
-                <a14:hiddenLine xmlns:a14="http://schemas.microsoft.com/office/drawing/2010/main" xmlns="" w="9525">
+                <a14:hiddenLine xmlns="" xmlns:a14="http://schemas.microsoft.com/office/drawing/2010/main" w="9525">
                   <a:solidFill>
                     <a:srgbClr val="000000"/>
                   </a:solidFill>
@@ -1846,7 +1851,7 @@
             </a:ln>
             <a:extLst>
               <a:ext uri="{91240B29-F687-4f45-9708-019B960494DF}">
-                <a14:hiddenLine xmlns:a14="http://schemas.microsoft.com/office/drawing/2010/main" xmlns="" w="9525">
+                <a14:hiddenLine xmlns="" xmlns:a14="http://schemas.microsoft.com/office/drawing/2010/main" w="9525">
                   <a:solidFill>
                     <a:srgbClr val="000000"/>
                   </a:solidFill>
@@ -1902,7 +1907,7 @@
             </a:ln>
             <a:extLst>
               <a:ext uri="{91240B29-F687-4f45-9708-019B960494DF}">
-                <a14:hiddenLine xmlns:a14="http://schemas.microsoft.com/office/drawing/2010/main" xmlns="" w="9525">
+                <a14:hiddenLine xmlns="" xmlns:a14="http://schemas.microsoft.com/office/drawing/2010/main" w="9525">
                   <a:solidFill>
                     <a:srgbClr val="000000"/>
                   </a:solidFill>
@@ -1992,7 +1997,7 @@
             </a:ln>
             <a:extLst>
               <a:ext uri="{91240B29-F687-4f45-9708-019B960494DF}">
-                <a14:hiddenLine xmlns:a14="http://schemas.microsoft.com/office/drawing/2010/main" xmlns="" w="9525">
+                <a14:hiddenLine xmlns="" xmlns:a14="http://schemas.microsoft.com/office/drawing/2010/main" w="9525">
                   <a:solidFill>
                     <a:srgbClr val="000000"/>
                   </a:solidFill>
@@ -2060,7 +2065,7 @@
             </a:ln>
             <a:extLst>
               <a:ext uri="{91240B29-F687-4f45-9708-019B960494DF}">
-                <a14:hiddenLine xmlns:a14="http://schemas.microsoft.com/office/drawing/2010/main" xmlns="" w="9525">
+                <a14:hiddenLine xmlns="" xmlns:a14="http://schemas.microsoft.com/office/drawing/2010/main" w="9525">
                   <a:solidFill>
                     <a:srgbClr val="000000"/>
                   </a:solidFill>
@@ -2150,7 +2155,7 @@
             </a:ln>
             <a:extLst>
               <a:ext uri="{91240B29-F687-4f45-9708-019B960494DF}">
-                <a14:hiddenLine xmlns:a14="http://schemas.microsoft.com/office/drawing/2010/main" xmlns="" w="9525">
+                <a14:hiddenLine xmlns="" xmlns:a14="http://schemas.microsoft.com/office/drawing/2010/main" w="9525">
                   <a:solidFill>
                     <a:srgbClr val="000000"/>
                   </a:solidFill>
@@ -2218,7 +2223,7 @@
             </a:ln>
             <a:extLst>
               <a:ext uri="{91240B29-F687-4f45-9708-019B960494DF}">
-                <a14:hiddenLine xmlns:a14="http://schemas.microsoft.com/office/drawing/2010/main" xmlns="" w="9525">
+                <a14:hiddenLine xmlns="" xmlns:a14="http://schemas.microsoft.com/office/drawing/2010/main" w="9525">
                   <a:solidFill>
                     <a:srgbClr val="000000"/>
                   </a:solidFill>
@@ -2308,7 +2313,7 @@
             </a:ln>
             <a:extLst>
               <a:ext uri="{91240B29-F687-4f45-9708-019B960494DF}">
-                <a14:hiddenLine xmlns:a14="http://schemas.microsoft.com/office/drawing/2010/main" xmlns="" w="9525">
+                <a14:hiddenLine xmlns="" xmlns:a14="http://schemas.microsoft.com/office/drawing/2010/main" w="9525">
                   <a:solidFill>
                     <a:srgbClr val="000000"/>
                   </a:solidFill>
@@ -2342,7 +2347,7 @@
             </a:ln>
             <a:extLst>
               <a:ext uri="{91240B29-F687-4f45-9708-019B960494DF}">
-                <a14:hiddenLine xmlns:a14="http://schemas.microsoft.com/office/drawing/2010/main" xmlns="" w="9525">
+                <a14:hiddenLine xmlns="" xmlns:a14="http://schemas.microsoft.com/office/drawing/2010/main" w="9525">
                   <a:solidFill>
                     <a:srgbClr val="000000"/>
                   </a:solidFill>
@@ -2432,7 +2437,7 @@
             </a:ln>
             <a:extLst>
               <a:ext uri="{91240B29-F687-4f45-9708-019B960494DF}">
-                <a14:hiddenLine xmlns:a14="http://schemas.microsoft.com/office/drawing/2010/main" xmlns="" w="9525">
+                <a14:hiddenLine xmlns="" xmlns:a14="http://schemas.microsoft.com/office/drawing/2010/main" w="9525">
                   <a:solidFill>
                     <a:srgbClr val="000000"/>
                   </a:solidFill>
@@ -2494,7 +2499,7 @@
             </a:ln>
             <a:extLst>
               <a:ext uri="{91240B29-F687-4f45-9708-019B960494DF}">
-                <a14:hiddenLine xmlns:a14="http://schemas.microsoft.com/office/drawing/2010/main" xmlns="" w="9525">
+                <a14:hiddenLine xmlns="" xmlns:a14="http://schemas.microsoft.com/office/drawing/2010/main" w="9525">
                   <a:solidFill>
                     <a:srgbClr val="000000"/>
                   </a:solidFill>
@@ -2556,7 +2561,7 @@
             </a:ln>
             <a:extLst>
               <a:ext uri="{91240B29-F687-4f45-9708-019B960494DF}">
-                <a14:hiddenLine xmlns:a14="http://schemas.microsoft.com/office/drawing/2010/main" xmlns="" w="9525">
+                <a14:hiddenLine xmlns="" xmlns:a14="http://schemas.microsoft.com/office/drawing/2010/main" w="9525">
                   <a:solidFill>
                     <a:srgbClr val="000000"/>
                   </a:solidFill>
@@ -2646,7 +2651,7 @@
             </a:ln>
             <a:extLst>
               <a:ext uri="{91240B29-F687-4f45-9708-019B960494DF}">
-                <a14:hiddenLine xmlns:a14="http://schemas.microsoft.com/office/drawing/2010/main" xmlns="" w="9525">
+                <a14:hiddenLine xmlns="" xmlns:a14="http://schemas.microsoft.com/office/drawing/2010/main" w="9525">
                   <a:solidFill>
                     <a:srgbClr val="000000"/>
                   </a:solidFill>
@@ -2714,7 +2719,7 @@
             </a:ln>
             <a:extLst>
               <a:ext uri="{91240B29-F687-4f45-9708-019B960494DF}">
-                <a14:hiddenLine xmlns:a14="http://schemas.microsoft.com/office/drawing/2010/main" xmlns="" w="9525">
+                <a14:hiddenLine xmlns="" xmlns:a14="http://schemas.microsoft.com/office/drawing/2010/main" w="9525">
                   <a:solidFill>
                     <a:srgbClr val="000000"/>
                   </a:solidFill>
@@ -2776,7 +2781,7 @@
             </a:ln>
             <a:extLst>
               <a:ext uri="{91240B29-F687-4f45-9708-019B960494DF}">
-                <a14:hiddenLine xmlns:a14="http://schemas.microsoft.com/office/drawing/2010/main" xmlns="" w="9525">
+                <a14:hiddenLine xmlns="" xmlns:a14="http://schemas.microsoft.com/office/drawing/2010/main" w="9525">
                   <a:solidFill>
                     <a:srgbClr val="000000"/>
                   </a:solidFill>
@@ -2866,7 +2871,7 @@
             </a:ln>
             <a:extLst>
               <a:ext uri="{91240B29-F687-4f45-9708-019B960494DF}">
-                <a14:hiddenLine xmlns:a14="http://schemas.microsoft.com/office/drawing/2010/main" xmlns="" w="9525">
+                <a14:hiddenLine xmlns="" xmlns:a14="http://schemas.microsoft.com/office/drawing/2010/main" w="9525">
                   <a:solidFill>
                     <a:srgbClr val="000000"/>
                   </a:solidFill>
@@ -2928,7 +2933,7 @@
             </a:ln>
             <a:extLst>
               <a:ext uri="{91240B29-F687-4f45-9708-019B960494DF}">
-                <a14:hiddenLine xmlns:a14="http://schemas.microsoft.com/office/drawing/2010/main" xmlns="" w="9525">
+                <a14:hiddenLine xmlns="" xmlns:a14="http://schemas.microsoft.com/office/drawing/2010/main" w="9525">
                   <a:solidFill>
                     <a:srgbClr val="000000"/>
                   </a:solidFill>
@@ -3018,7 +3023,7 @@
             </a:ln>
             <a:extLst>
               <a:ext uri="{91240B29-F687-4f45-9708-019B960494DF}">
-                <a14:hiddenLine xmlns:a14="http://schemas.microsoft.com/office/drawing/2010/main" xmlns="" w="9525">
+                <a14:hiddenLine xmlns="" xmlns:a14="http://schemas.microsoft.com/office/drawing/2010/main" w="9525">
                   <a:solidFill>
                     <a:srgbClr val="000000"/>
                   </a:solidFill>
@@ -3080,7 +3085,7 @@
             </a:ln>
             <a:extLst>
               <a:ext uri="{91240B29-F687-4f45-9708-019B960494DF}">
-                <a14:hiddenLine xmlns:a14="http://schemas.microsoft.com/office/drawing/2010/main" xmlns="" w="9525">
+                <a14:hiddenLine xmlns="" xmlns:a14="http://schemas.microsoft.com/office/drawing/2010/main" w="9525">
                   <a:solidFill>
                     <a:srgbClr val="000000"/>
                   </a:solidFill>
@@ -3170,7 +3175,7 @@
             </a:ln>
             <a:extLst>
               <a:ext uri="{91240B29-F687-4f45-9708-019B960494DF}">
-                <a14:hiddenLine xmlns:a14="http://schemas.microsoft.com/office/drawing/2010/main" xmlns="" w="9525">
+                <a14:hiddenLine xmlns="" xmlns:a14="http://schemas.microsoft.com/office/drawing/2010/main" w="9525">
                   <a:solidFill>
                     <a:srgbClr val="000000"/>
                   </a:solidFill>
@@ -3204,7 +3209,7 @@
             </a:ln>
             <a:extLst>
               <a:ext uri="{91240B29-F687-4f45-9708-019B960494DF}">
-                <a14:hiddenLine xmlns:a14="http://schemas.microsoft.com/office/drawing/2010/main" xmlns="" w="9525">
+                <a14:hiddenLine xmlns="" xmlns:a14="http://schemas.microsoft.com/office/drawing/2010/main" w="9525">
                   <a:solidFill>
                     <a:srgbClr val="000000"/>
                   </a:solidFill>
@@ -3269,7 +3274,7 @@
             </a:ln>
             <a:extLst>
               <a:ext uri="{91240B29-F687-4f45-9708-019B960494DF}">
-                <a14:hiddenLine xmlns:a14="http://schemas.microsoft.com/office/drawing/2010/main" xmlns="" w="9525">
+                <a14:hiddenLine xmlns="" xmlns:a14="http://schemas.microsoft.com/office/drawing/2010/main" w="9525">
                   <a:solidFill>
                     <a:srgbClr val="000000"/>
                   </a:solidFill>
@@ -3359,7 +3364,7 @@
             </a:ln>
             <a:extLst>
               <a:ext uri="{91240B29-F687-4f45-9708-019B960494DF}">
-                <a14:hiddenLine xmlns:a14="http://schemas.microsoft.com/office/drawing/2010/main" xmlns="" w="9525">
+                <a14:hiddenLine xmlns="" xmlns:a14="http://schemas.microsoft.com/office/drawing/2010/main" w="9525">
                   <a:solidFill>
                     <a:srgbClr val="000000"/>
                   </a:solidFill>
@@ -3421,7 +3426,7 @@
             </a:ln>
             <a:extLst>
               <a:ext uri="{91240B29-F687-4f45-9708-019B960494DF}">
-                <a14:hiddenLine xmlns:a14="http://schemas.microsoft.com/office/drawing/2010/main" xmlns="" w="9525">
+                <a14:hiddenLine xmlns="" xmlns:a14="http://schemas.microsoft.com/office/drawing/2010/main" w="9525">
                   <a:solidFill>
                     <a:srgbClr val="000000"/>
                   </a:solidFill>
@@ -3511,7 +3516,7 @@
             </a:ln>
             <a:extLst>
               <a:ext uri="{91240B29-F687-4f45-9708-019B960494DF}">
-                <a14:hiddenLine xmlns:a14="http://schemas.microsoft.com/office/drawing/2010/main" xmlns="" w="9525">
+                <a14:hiddenLine xmlns="" xmlns:a14="http://schemas.microsoft.com/office/drawing/2010/main" w="9525">
                   <a:solidFill>
                     <a:srgbClr val="000000"/>
                   </a:solidFill>
@@ -3601,7 +3606,7 @@
             </a:ln>
             <a:extLst>
               <a:ext uri="{91240B29-F687-4f45-9708-019B960494DF}">
-                <a14:hiddenLine xmlns:a14="http://schemas.microsoft.com/office/drawing/2010/main" xmlns="" w="9525">
+                <a14:hiddenLine xmlns="" xmlns:a14="http://schemas.microsoft.com/office/drawing/2010/main" w="9525">
                   <a:solidFill>
                     <a:srgbClr val="000000"/>
                   </a:solidFill>
@@ -3666,7 +3671,7 @@
             </a:ln>
             <a:extLst>
               <a:ext uri="{91240B29-F687-4f45-9708-019B960494DF}">
-                <a14:hiddenLine xmlns:a14="http://schemas.microsoft.com/office/drawing/2010/main" xmlns="" w="9525">
+                <a14:hiddenLine xmlns="" xmlns:a14="http://schemas.microsoft.com/office/drawing/2010/main" w="9525">
                   <a:solidFill>
                     <a:srgbClr val="000000"/>
                   </a:solidFill>
@@ -3728,7 +3733,7 @@
             </a:ln>
             <a:extLst>
               <a:ext uri="{91240B29-F687-4f45-9708-019B960494DF}">
-                <a14:hiddenLine xmlns:a14="http://schemas.microsoft.com/office/drawing/2010/main" xmlns="" w="9525">
+                <a14:hiddenLine xmlns="" xmlns:a14="http://schemas.microsoft.com/office/drawing/2010/main" w="9525">
                   <a:solidFill>
                     <a:srgbClr val="000000"/>
                   </a:solidFill>
@@ -3818,7 +3823,7 @@
             </a:ln>
             <a:extLst>
               <a:ext uri="{91240B29-F687-4f45-9708-019B960494DF}">
-                <a14:hiddenLine xmlns:a14="http://schemas.microsoft.com/office/drawing/2010/main" xmlns="" w="9525">
+                <a14:hiddenLine xmlns="" xmlns:a14="http://schemas.microsoft.com/office/drawing/2010/main" w="9525">
                   <a:solidFill>
                     <a:srgbClr val="000000"/>
                   </a:solidFill>
@@ -3908,7 +3913,7 @@
             </a:ln>
             <a:extLst>
               <a:ext uri="{91240B29-F687-4f45-9708-019B960494DF}">
-                <a14:hiddenLine xmlns:a14="http://schemas.microsoft.com/office/drawing/2010/main" xmlns="" w="9525">
+                <a14:hiddenLine xmlns="" xmlns:a14="http://schemas.microsoft.com/office/drawing/2010/main" w="9525">
                   <a:solidFill>
                     <a:srgbClr val="000000"/>
                   </a:solidFill>
@@ -3970,7 +3975,7 @@
             </a:ln>
             <a:extLst>
               <a:ext uri="{91240B29-F687-4f45-9708-019B960494DF}">
-                <a14:hiddenLine xmlns:a14="http://schemas.microsoft.com/office/drawing/2010/main" xmlns="" w="9525">
+                <a14:hiddenLine xmlns="" xmlns:a14="http://schemas.microsoft.com/office/drawing/2010/main" w="9525">
                   <a:solidFill>
                     <a:srgbClr val="000000"/>
                   </a:solidFill>
@@ -4090,7 +4095,7 @@
             </a:ln>
             <a:extLst>
               <a:ext uri="{91240B29-F687-4f45-9708-019B960494DF}">
-                <a14:hiddenLine xmlns:a14="http://schemas.microsoft.com/office/drawing/2010/main" xmlns="" w="9525">
+                <a14:hiddenLine xmlns="" xmlns:a14="http://schemas.microsoft.com/office/drawing/2010/main" w="9525">
                   <a:solidFill>
                     <a:srgbClr val="000000"/>
                   </a:solidFill>
@@ -4158,7 +4163,7 @@
             </a:ln>
             <a:extLst>
               <a:ext uri="{91240B29-F687-4f45-9708-019B960494DF}">
-                <a14:hiddenLine xmlns:a14="http://schemas.microsoft.com/office/drawing/2010/main" xmlns="" w="9525">
+                <a14:hiddenLine xmlns="" xmlns:a14="http://schemas.microsoft.com/office/drawing/2010/main" w="9525">
                   <a:solidFill>
                     <a:srgbClr val="000000"/>
                   </a:solidFill>
@@ -4248,7 +4253,7 @@
             </a:ln>
             <a:extLst>
               <a:ext uri="{91240B29-F687-4f45-9708-019B960494DF}">
-                <a14:hiddenLine xmlns:a14="http://schemas.microsoft.com/office/drawing/2010/main" xmlns="" w="9525">
+                <a14:hiddenLine xmlns="" xmlns:a14="http://schemas.microsoft.com/office/drawing/2010/main" w="9525">
                   <a:solidFill>
                     <a:srgbClr val="000000"/>
                   </a:solidFill>
@@ -9055,7 +9060,7 @@
           <a:noFill/>
           <a:extLst>
             <a:ext uri="{909E8E84-426E-40dd-AFC4-6F175D3DCCD1}">
-              <a14:hiddenFill xmlns:a14="http://schemas.microsoft.com/office/drawing/2010/main" xmlns="">
+              <a14:hiddenFill xmlns="" xmlns:a14="http://schemas.microsoft.com/office/drawing/2010/main">
                 <a:solidFill>
                   <a:srgbClr val="FFFFFF"/>
                 </a:solidFill>
@@ -9129,7 +9134,7 @@
               </a:ln>
               <a:extLst>
                 <a:ext uri="{91240B29-F687-4f45-9708-019B960494DF}">
-                  <a14:hiddenLine xmlns:a14="http://schemas.microsoft.com/office/drawing/2010/main" xmlns="" w="9525">
+                  <a14:hiddenLine xmlns="" xmlns:a14="http://schemas.microsoft.com/office/drawing/2010/main" w="9525">
                     <a:solidFill>
                       <a:srgbClr val="000000"/>
                     </a:solidFill>
@@ -9219,7 +9224,7 @@
               </a:ln>
               <a:extLst>
                 <a:ext uri="{91240B29-F687-4f45-9708-019B960494DF}">
-                  <a14:hiddenLine xmlns:a14="http://schemas.microsoft.com/office/drawing/2010/main" xmlns="" w="9525">
+                  <a14:hiddenLine xmlns="" xmlns:a14="http://schemas.microsoft.com/office/drawing/2010/main" w="9525">
                     <a:solidFill>
                       <a:srgbClr val="000000"/>
                     </a:solidFill>
@@ -9309,7 +9314,7 @@
               </a:ln>
               <a:extLst>
                 <a:ext uri="{91240B29-F687-4f45-9708-019B960494DF}">
-                  <a14:hiddenLine xmlns:a14="http://schemas.microsoft.com/office/drawing/2010/main" xmlns="" w="9525">
+                  <a14:hiddenLine xmlns="" xmlns:a14="http://schemas.microsoft.com/office/drawing/2010/main" w="9525">
                     <a:solidFill>
                       <a:srgbClr val="000000"/>
                     </a:solidFill>
@@ -9371,7 +9376,7 @@
               </a:ln>
               <a:extLst>
                 <a:ext uri="{91240B29-F687-4f45-9708-019B960494DF}">
-                  <a14:hiddenLine xmlns:a14="http://schemas.microsoft.com/office/drawing/2010/main" xmlns="" w="9525">
+                  <a14:hiddenLine xmlns="" xmlns:a14="http://schemas.microsoft.com/office/drawing/2010/main" w="9525">
                     <a:solidFill>
                       <a:srgbClr val="000000"/>
                     </a:solidFill>
@@ -9461,7 +9466,7 @@
               </a:ln>
               <a:extLst>
                 <a:ext uri="{91240B29-F687-4f45-9708-019B960494DF}">
-                  <a14:hiddenLine xmlns:a14="http://schemas.microsoft.com/office/drawing/2010/main" xmlns="" w="9525">
+                  <a14:hiddenLine xmlns="" xmlns:a14="http://schemas.microsoft.com/office/drawing/2010/main" w="9525">
                     <a:solidFill>
                       <a:srgbClr val="000000"/>
                     </a:solidFill>
@@ -9523,7 +9528,7 @@
               </a:ln>
               <a:extLst>
                 <a:ext uri="{91240B29-F687-4f45-9708-019B960494DF}">
-                  <a14:hiddenLine xmlns:a14="http://schemas.microsoft.com/office/drawing/2010/main" xmlns="" w="9525">
+                  <a14:hiddenLine xmlns="" xmlns:a14="http://schemas.microsoft.com/office/drawing/2010/main" w="9525">
                     <a:solidFill>
                       <a:srgbClr val="000000"/>
                     </a:solidFill>
@@ -9585,7 +9590,7 @@
               </a:ln>
               <a:extLst>
                 <a:ext uri="{91240B29-F687-4f45-9708-019B960494DF}">
-                  <a14:hiddenLine xmlns:a14="http://schemas.microsoft.com/office/drawing/2010/main" xmlns="" w="9525">
+                  <a14:hiddenLine xmlns="" xmlns:a14="http://schemas.microsoft.com/office/drawing/2010/main" w="9525">
                     <a:solidFill>
                       <a:srgbClr val="000000"/>
                     </a:solidFill>
@@ -9675,7 +9680,7 @@
               </a:ln>
               <a:extLst>
                 <a:ext uri="{91240B29-F687-4f45-9708-019B960494DF}">
-                  <a14:hiddenLine xmlns:a14="http://schemas.microsoft.com/office/drawing/2010/main" xmlns="" w="9525">
+                  <a14:hiddenLine xmlns="" xmlns:a14="http://schemas.microsoft.com/office/drawing/2010/main" w="9525">
                     <a:solidFill>
                       <a:srgbClr val="000000"/>
                     </a:solidFill>
@@ -9765,7 +9770,7 @@
               </a:ln>
               <a:extLst>
                 <a:ext uri="{91240B29-F687-4f45-9708-019B960494DF}">
-                  <a14:hiddenLine xmlns:a14="http://schemas.microsoft.com/office/drawing/2010/main" xmlns="" w="9525">
+                  <a14:hiddenLine xmlns="" xmlns:a14="http://schemas.microsoft.com/office/drawing/2010/main" w="9525">
                     <a:solidFill>
                       <a:srgbClr val="000000"/>
                     </a:solidFill>
@@ -9827,7 +9832,7 @@
               </a:ln>
               <a:extLst>
                 <a:ext uri="{91240B29-F687-4f45-9708-019B960494DF}">
-                  <a14:hiddenLine xmlns:a14="http://schemas.microsoft.com/office/drawing/2010/main" xmlns="" w="9525">
+                  <a14:hiddenLine xmlns="" xmlns:a14="http://schemas.microsoft.com/office/drawing/2010/main" w="9525">
                     <a:solidFill>
                       <a:srgbClr val="000000"/>
                     </a:solidFill>
@@ -9937,7 +9942,7 @@
               </a:ln>
               <a:extLst>
                 <a:ext uri="{91240B29-F687-4f45-9708-019B960494DF}">
-                  <a14:hiddenLine xmlns:a14="http://schemas.microsoft.com/office/drawing/2010/main" xmlns="" w="9525">
+                  <a14:hiddenLine xmlns="" xmlns:a14="http://schemas.microsoft.com/office/drawing/2010/main" w="9525">
                     <a:solidFill>
                       <a:srgbClr val="000000"/>
                     </a:solidFill>
@@ -10021,7 +10026,7 @@
               </a:ln>
               <a:extLst>
                 <a:ext uri="{91240B29-F687-4f45-9708-019B960494DF}">
-                  <a14:hiddenLine xmlns:a14="http://schemas.microsoft.com/office/drawing/2010/main" xmlns="" w="9525">
+                  <a14:hiddenLine xmlns="" xmlns:a14="http://schemas.microsoft.com/office/drawing/2010/main" w="9525">
                     <a:solidFill>
                       <a:srgbClr val="000000"/>
                     </a:solidFill>
@@ -10083,7 +10088,7 @@
               </a:ln>
               <a:extLst>
                 <a:ext uri="{91240B29-F687-4f45-9708-019B960494DF}">
-                  <a14:hiddenLine xmlns:a14="http://schemas.microsoft.com/office/drawing/2010/main" xmlns="" w="9525">
+                  <a14:hiddenLine xmlns="" xmlns:a14="http://schemas.microsoft.com/office/drawing/2010/main" w="9525">
                     <a:solidFill>
                       <a:srgbClr val="000000"/>
                     </a:solidFill>
@@ -10145,7 +10150,7 @@
               </a:ln>
               <a:extLst>
                 <a:ext uri="{91240B29-F687-4f45-9708-019B960494DF}">
-                  <a14:hiddenLine xmlns:a14="http://schemas.microsoft.com/office/drawing/2010/main" xmlns="" w="9525">
+                  <a14:hiddenLine xmlns="" xmlns:a14="http://schemas.microsoft.com/office/drawing/2010/main" w="9525">
                     <a:solidFill>
                       <a:srgbClr val="000000"/>
                     </a:solidFill>
@@ -10235,7 +10240,7 @@
               </a:ln>
               <a:extLst>
                 <a:ext uri="{91240B29-F687-4f45-9708-019B960494DF}">
-                  <a14:hiddenLine xmlns:a14="http://schemas.microsoft.com/office/drawing/2010/main" xmlns="" w="9525">
+                  <a14:hiddenLine xmlns="" xmlns:a14="http://schemas.microsoft.com/office/drawing/2010/main" w="9525">
                     <a:solidFill>
                       <a:srgbClr val="000000"/>
                     </a:solidFill>
@@ -10269,7 +10274,7 @@
               </a:ln>
               <a:extLst>
                 <a:ext uri="{91240B29-F687-4f45-9708-019B960494DF}">
-                  <a14:hiddenLine xmlns:a14="http://schemas.microsoft.com/office/drawing/2010/main" xmlns="" w="9525">
+                  <a14:hiddenLine xmlns="" xmlns:a14="http://schemas.microsoft.com/office/drawing/2010/main" w="9525">
                     <a:solidFill>
                       <a:srgbClr val="000000"/>
                     </a:solidFill>
@@ -10334,7 +10339,7 @@
               </a:ln>
               <a:extLst>
                 <a:ext uri="{91240B29-F687-4f45-9708-019B960494DF}">
-                  <a14:hiddenLine xmlns:a14="http://schemas.microsoft.com/office/drawing/2010/main" xmlns="" w="9525">
+                  <a14:hiddenLine xmlns="" xmlns:a14="http://schemas.microsoft.com/office/drawing/2010/main" w="9525">
                     <a:solidFill>
                       <a:srgbClr val="000000"/>
                     </a:solidFill>
@@ -10424,7 +10429,7 @@
               </a:ln>
               <a:extLst>
                 <a:ext uri="{91240B29-F687-4f45-9708-019B960494DF}">
-                  <a14:hiddenLine xmlns:a14="http://schemas.microsoft.com/office/drawing/2010/main" xmlns="" w="9525">
+                  <a14:hiddenLine xmlns="" xmlns:a14="http://schemas.microsoft.com/office/drawing/2010/main" w="9525">
                     <a:solidFill>
                       <a:srgbClr val="000000"/>
                     </a:solidFill>
@@ -10486,7 +10491,7 @@
               </a:ln>
               <a:extLst>
                 <a:ext uri="{91240B29-F687-4f45-9708-019B960494DF}">
-                  <a14:hiddenLine xmlns:a14="http://schemas.microsoft.com/office/drawing/2010/main" xmlns="" w="9525">
+                  <a14:hiddenLine xmlns="" xmlns:a14="http://schemas.microsoft.com/office/drawing/2010/main" w="9525">
                     <a:solidFill>
                       <a:srgbClr val="000000"/>
                     </a:solidFill>
@@ -10576,7 +10581,7 @@
               </a:ln>
               <a:extLst>
                 <a:ext uri="{91240B29-F687-4f45-9708-019B960494DF}">
-                  <a14:hiddenLine xmlns:a14="http://schemas.microsoft.com/office/drawing/2010/main" xmlns="" w="9525">
+                  <a14:hiddenLine xmlns="" xmlns:a14="http://schemas.microsoft.com/office/drawing/2010/main" w="9525">
                     <a:solidFill>
                       <a:srgbClr val="000000"/>
                     </a:solidFill>
@@ -10641,7 +10646,7 @@
               </a:ln>
               <a:extLst>
                 <a:ext uri="{91240B29-F687-4f45-9708-019B960494DF}">
-                  <a14:hiddenLine xmlns:a14="http://schemas.microsoft.com/office/drawing/2010/main" xmlns="" w="9525">
+                  <a14:hiddenLine xmlns="" xmlns:a14="http://schemas.microsoft.com/office/drawing/2010/main" w="9525">
                     <a:solidFill>
                       <a:srgbClr val="000000"/>
                     </a:solidFill>
@@ -10703,7 +10708,7 @@
               </a:ln>
               <a:extLst>
                 <a:ext uri="{91240B29-F687-4f45-9708-019B960494DF}">
-                  <a14:hiddenLine xmlns:a14="http://schemas.microsoft.com/office/drawing/2010/main" xmlns="" w="9525">
+                  <a14:hiddenLine xmlns="" xmlns:a14="http://schemas.microsoft.com/office/drawing/2010/main" w="9525">
                     <a:solidFill>
                       <a:srgbClr val="000000"/>
                     </a:solidFill>
@@ -10793,7 +10798,7 @@
               </a:ln>
               <a:extLst>
                 <a:ext uri="{91240B29-F687-4f45-9708-019B960494DF}">
-                  <a14:hiddenLine xmlns:a14="http://schemas.microsoft.com/office/drawing/2010/main" xmlns="" w="9525">
+                  <a14:hiddenLine xmlns="" xmlns:a14="http://schemas.microsoft.com/office/drawing/2010/main" w="9525">
                     <a:solidFill>
                       <a:srgbClr val="000000"/>
                     </a:solidFill>
@@ -10883,7 +10888,7 @@
               </a:ln>
               <a:extLst>
                 <a:ext uri="{91240B29-F687-4f45-9708-019B960494DF}">
-                  <a14:hiddenLine xmlns:a14="http://schemas.microsoft.com/office/drawing/2010/main" xmlns="" w="9525">
+                  <a14:hiddenLine xmlns="" xmlns:a14="http://schemas.microsoft.com/office/drawing/2010/main" w="9525">
                     <a:solidFill>
                       <a:srgbClr val="000000"/>
                     </a:solidFill>
@@ -10948,7 +10953,7 @@
               </a:ln>
               <a:extLst>
                 <a:ext uri="{91240B29-F687-4f45-9708-019B960494DF}">
-                  <a14:hiddenLine xmlns:a14="http://schemas.microsoft.com/office/drawing/2010/main" xmlns="" w="9525">
+                  <a14:hiddenLine xmlns="" xmlns:a14="http://schemas.microsoft.com/office/drawing/2010/main" w="9525">
                     <a:solidFill>
                       <a:srgbClr val="000000"/>
                     </a:solidFill>
@@ -11068,7 +11073,7 @@
               </a:ln>
               <a:extLst>
                 <a:ext uri="{91240B29-F687-4f45-9708-019B960494DF}">
-                  <a14:hiddenLine xmlns:a14="http://schemas.microsoft.com/office/drawing/2010/main" xmlns="" w="9525">
+                  <a14:hiddenLine xmlns="" xmlns:a14="http://schemas.microsoft.com/office/drawing/2010/main" w="9525">
                     <a:solidFill>
                       <a:srgbClr val="000000"/>
                     </a:solidFill>
@@ -11166,7 +11171,7 @@
               </a:ln>
               <a:extLst>
                 <a:ext uri="{91240B29-F687-4f45-9708-019B960494DF}">
-                  <a14:hiddenLine xmlns:a14="http://schemas.microsoft.com/office/drawing/2010/main" xmlns="" w="9525">
+                  <a14:hiddenLine xmlns="" xmlns:a14="http://schemas.microsoft.com/office/drawing/2010/main" w="9525">
                     <a:solidFill>
                       <a:srgbClr val="000000"/>
                     </a:solidFill>
@@ -11281,7 +11286,7 @@
               </a:ln>
               <a:extLst>
                 <a:ext uri="{91240B29-F687-4f45-9708-019B960494DF}">
-                  <a14:hiddenLine xmlns:a14="http://schemas.microsoft.com/office/drawing/2010/main" xmlns="" w="9525">
+                  <a14:hiddenLine xmlns="" xmlns:a14="http://schemas.microsoft.com/office/drawing/2010/main" w="9525">
                     <a:solidFill>
                       <a:srgbClr val="000000"/>
                     </a:solidFill>
@@ -11371,7 +11376,7 @@
               </a:ln>
               <a:extLst>
                 <a:ext uri="{91240B29-F687-4f45-9708-019B960494DF}">
-                  <a14:hiddenLine xmlns:a14="http://schemas.microsoft.com/office/drawing/2010/main" xmlns="" w="9525">
+                  <a14:hiddenLine xmlns="" xmlns:a14="http://schemas.microsoft.com/office/drawing/2010/main" w="9525">
                     <a:solidFill>
                       <a:srgbClr val="000000"/>
                     </a:solidFill>
@@ -11436,7 +11441,7 @@
               </a:ln>
               <a:extLst>
                 <a:ext uri="{91240B29-F687-4f45-9708-019B960494DF}">
-                  <a14:hiddenLine xmlns:a14="http://schemas.microsoft.com/office/drawing/2010/main" xmlns="" w="9525">
+                  <a14:hiddenLine xmlns="" xmlns:a14="http://schemas.microsoft.com/office/drawing/2010/main" w="9525">
                     <a:solidFill>
                       <a:srgbClr val="000000"/>
                     </a:solidFill>
@@ -11526,7 +11531,7 @@
               </a:ln>
               <a:extLst>
                 <a:ext uri="{91240B29-F687-4f45-9708-019B960494DF}">
-                  <a14:hiddenLine xmlns:a14="http://schemas.microsoft.com/office/drawing/2010/main" xmlns="" w="9525">
+                  <a14:hiddenLine xmlns="" xmlns:a14="http://schemas.microsoft.com/office/drawing/2010/main" w="9525">
                     <a:solidFill>
                       <a:srgbClr val="000000"/>
                     </a:solidFill>
@@ -11594,7 +11599,7 @@
               </a:ln>
               <a:extLst>
                 <a:ext uri="{91240B29-F687-4f45-9708-019B960494DF}">
-                  <a14:hiddenLine xmlns:a14="http://schemas.microsoft.com/office/drawing/2010/main" xmlns="" w="9525">
+                  <a14:hiddenLine xmlns="" xmlns:a14="http://schemas.microsoft.com/office/drawing/2010/main" w="9525">
                     <a:solidFill>
                       <a:srgbClr val="000000"/>
                     </a:solidFill>
@@ -11684,7 +11689,7 @@
               </a:ln>
               <a:extLst>
                 <a:ext uri="{91240B29-F687-4f45-9708-019B960494DF}">
-                  <a14:hiddenLine xmlns:a14="http://schemas.microsoft.com/office/drawing/2010/main" xmlns="" w="9525">
+                  <a14:hiddenLine xmlns="" xmlns:a14="http://schemas.microsoft.com/office/drawing/2010/main" w="9525">
                     <a:solidFill>
                       <a:srgbClr val="000000"/>
                     </a:solidFill>
@@ -11752,7 +11757,7 @@
               </a:ln>
               <a:extLst>
                 <a:ext uri="{91240B29-F687-4f45-9708-019B960494DF}">
-                  <a14:hiddenLine xmlns:a14="http://schemas.microsoft.com/office/drawing/2010/main" xmlns="" w="9525">
+                  <a14:hiddenLine xmlns="" xmlns:a14="http://schemas.microsoft.com/office/drawing/2010/main" w="9525">
                     <a:solidFill>
                       <a:srgbClr val="000000"/>
                     </a:solidFill>
@@ -11842,7 +11847,7 @@
               </a:ln>
               <a:extLst>
                 <a:ext uri="{91240B29-F687-4f45-9708-019B960494DF}">
-                  <a14:hiddenLine xmlns:a14="http://schemas.microsoft.com/office/drawing/2010/main" xmlns="" w="9525">
+                  <a14:hiddenLine xmlns="" xmlns:a14="http://schemas.microsoft.com/office/drawing/2010/main" w="9525">
                     <a:solidFill>
                       <a:srgbClr val="000000"/>
                     </a:solidFill>
@@ -11876,7 +11881,7 @@
               </a:ln>
               <a:extLst>
                 <a:ext uri="{91240B29-F687-4f45-9708-019B960494DF}">
-                  <a14:hiddenLine xmlns:a14="http://schemas.microsoft.com/office/drawing/2010/main" xmlns="" w="9525">
+                  <a14:hiddenLine xmlns="" xmlns:a14="http://schemas.microsoft.com/office/drawing/2010/main" w="9525">
                     <a:solidFill>
                       <a:srgbClr val="000000"/>
                     </a:solidFill>
@@ -12489,25 +12494,25 @@
           <a:p>
             <a:r>
               <a:rPr lang="en-US" dirty="0"/>
-              <a:t>Andrew Cobb</a:t>
+              <a:t>Andrew Cobb – Systems Architecture Manager</a:t>
             </a:r>
           </a:p>
           <a:p>
             <a:r>
               <a:rPr lang="en-US" dirty="0"/>
-              <a:t>Giuseppe Ragusa</a:t>
+              <a:t>Giuseppe Ragusa – Scrum master</a:t>
             </a:r>
           </a:p>
           <a:p>
             <a:r>
               <a:rPr lang="en-US" dirty="0"/>
-              <a:t>Arsalan Farooqui</a:t>
+              <a:t>Arsalan Farooqui – Project manager</a:t>
             </a:r>
           </a:p>
           <a:p>
             <a:r>
               <a:rPr lang="en-US" dirty="0"/>
-              <a:t>Nga Le</a:t>
+              <a:t>Nga Le – Lead developer</a:t>
             </a:r>
           </a:p>
         </p:txBody>
@@ -12789,12 +12794,8 @@
           <a:lstStyle/>
           <a:p>
             <a:r>
-              <a:rPr lang="en-US" dirty="0" err="1"/>
-              <a:t>Sqlite</a:t>
-            </a:r>
-            <a:r>
               <a:rPr lang="en-US" dirty="0"/>
-              <a:t> Database</a:t>
+              <a:t>SQLite Database</a:t>
             </a:r>
           </a:p>
           <a:p>
@@ -12813,6 +12814,12 @@
             <a:r>
               <a:rPr lang="en-US" dirty="0"/>
               <a:t>Android / iOS mobile environment</a:t>
+            </a:r>
+          </a:p>
+          <a:p>
+            <a:r>
+              <a:rPr lang="en-US" dirty="0"/>
+              <a:t>GitHub</a:t>
             </a:r>
           </a:p>
         </p:txBody>
@@ -13106,6 +13113,12 @@
         <p:txBody>
           <a:bodyPr/>
           <a:lstStyle/>
+          <a:p>
+            <a:r>
+              <a:rPr lang="en-US" dirty="0"/>
+              <a:t>We chose a project that we knew would be challenging. Due to unforeseen circumstances, our project may not have reached the level that we set for it, but we still put In our best efforts, and feel accomplished of what we did complete.</a:t>
+            </a:r>
+          </a:p>
           <a:p>
             <a:endParaRPr lang="en-US" dirty="0"/>
           </a:p>
